--- a/Day_01/LAB_02/Jeoparty LAB2.pptx
+++ b/Day_01/LAB_02/Jeoparty LAB2.pptx
@@ -20138,48 +20138,6 @@
           </p:txBody>
         </p:sp>
       </p:grpSp>
-      <p:sp>
-        <p:nvSpPr>
-          <p:cNvPr id="222" name="Google Shape;222;p15"/>
-          <p:cNvSpPr txBox="1">
-            <a:spLocks noGrp="1"/>
-          </p:cNvSpPr>
-          <p:nvPr>
-            <p:ph type="ctrTitle"/>
-          </p:nvPr>
-        </p:nvSpPr>
-        <p:spPr>
-          <a:xfrm>
-            <a:off x="685800" y="3456400"/>
-            <a:ext cx="7772400" cy="607800"/>
-          </a:xfrm>
-          <a:prstGeom prst="rect">
-            <a:avLst/>
-          </a:prstGeom>
-        </p:spPr>
-        <p:txBody>
-          <a:bodyPr spcFirstLastPara="1" wrap="square" lIns="0" tIns="0" rIns="0" bIns="0" anchor="t" anchorCtr="0">
-            <a:noAutofit/>
-          </a:bodyPr>
-          <a:lstStyle/>
-          <a:p>
-            <a:pPr marL="0" lvl="0" indent="0" algn="ctr" rtl="0">
-              <a:spcBef>
-                <a:spcPts val="0"/>
-              </a:spcBef>
-              <a:spcAft>
-                <a:spcPts val="0"/>
-              </a:spcAft>
-              <a:buNone/>
-            </a:pPr>
-            <a:r>
-              <a:rPr lang="en"/>
-              <a:t>This is Your Presentation Title</a:t>
-            </a:r>
-            <a:endParaRPr/>
-          </a:p>
-        </p:txBody>
-      </p:sp>
     </p:spTree>
   </p:cSld>
   <p:clrMapOvr>

--- a/Day_01/LAB_02/Jeoparty LAB2.pptx
+++ b/Day_01/LAB_02/Jeoparty LAB2.pptx
@@ -5,7 +5,7 @@
     <p:sldMasterId id="2147483661" r:id="rId1"/>
   </p:sldMasterIdLst>
   <p:notesMasterIdLst>
-    <p:notesMasterId r:id="rId26"/>
+    <p:notesMasterId r:id="rId25"/>
   </p:notesMasterIdLst>
   <p:sldIdLst>
     <p:sldId id="256" r:id="rId2"/>
@@ -30,26 +30,25 @@
     <p:sldId id="280" r:id="rId21"/>
     <p:sldId id="281" r:id="rId22"/>
     <p:sldId id="282" r:id="rId23"/>
-    <p:sldId id="290" r:id="rId24"/>
-    <p:sldId id="289" r:id="rId25"/>
+    <p:sldId id="289" r:id="rId24"/>
   </p:sldIdLst>
   <p:sldSz cx="9144000" cy="5143500" type="screen16x9"/>
   <p:notesSz cx="6858000" cy="9144000"/>
   <p:embeddedFontLst>
     <p:embeddedFont>
       <p:font typeface="Bebas Neue" panose="020B0606020202050201" pitchFamily="34" charset="77"/>
-      <p:regular r:id="rId27"/>
+      <p:regular r:id="rId26"/>
     </p:embeddedFont>
     <p:embeddedFont>
       <p:font typeface="Calibri" panose="020F0502020204030204" pitchFamily="34" charset="0"/>
-      <p:regular r:id="rId28"/>
-      <p:bold r:id="rId29"/>
-      <p:italic r:id="rId30"/>
-      <p:boldItalic r:id="rId31"/>
+      <p:regular r:id="rId27"/>
+      <p:bold r:id="rId28"/>
+      <p:italic r:id="rId29"/>
+      <p:boldItalic r:id="rId30"/>
     </p:embeddedFont>
     <p:embeddedFont>
       <p:font typeface="Della Respira" panose="02000603000000000000" pitchFamily="2" charset="0"/>
-      <p:regular r:id="rId32"/>
+      <p:regular r:id="rId31"/>
     </p:embeddedFont>
   </p:embeddedFontLst>
   <p:defaultTextStyle>
@@ -281,6 +280,11 @@
       </a:defRPr>
     </a:lvl9pPr>
   </p:defaultTextStyle>
+  <p:extLst>
+    <p:ext uri="{EFAFB233-063F-42B5-8137-9DF3F51BA10A}">
+      <p15:sldGuideLst xmlns:p15="http://schemas.microsoft.com/office/powerpoint/2012/main"/>
+    </p:ext>
+  </p:extLst>
 </p:presentation>
 </file>
 
@@ -3275,271 +3279,6 @@
 </file>
 
 <file path=ppt/slideLayouts/slideLayout10.xml><?xml version="1.0" encoding="utf-8"?>
-<p:sldLayout xmlns:a="http://schemas.openxmlformats.org/drawingml/2006/main" xmlns:r="http://schemas.openxmlformats.org/officeDocument/2006/relationships" xmlns:p="http://schemas.openxmlformats.org/presentationml/2006/main" matchingName="Caption">
-  <p:cSld name="CAPTION_ONLY">
-    <p:spTree>
-      <p:nvGrpSpPr>
-        <p:cNvPr id="1" name="Shape 207"/>
-        <p:cNvGrpSpPr/>
-        <p:nvPr/>
-      </p:nvGrpSpPr>
-      <p:grpSpPr>
-        <a:xfrm>
-          <a:off x="0" y="0"/>
-          <a:ext cx="0" cy="0"/>
-          <a:chOff x="0" y="0"/>
-          <a:chExt cx="0" cy="0"/>
-        </a:xfrm>
-      </p:grpSpPr>
-      <p:grpSp>
-        <p:nvGrpSpPr>
-          <p:cNvPr id="208" name="Google Shape;208;p13"/>
-          <p:cNvGrpSpPr/>
-          <p:nvPr/>
-        </p:nvGrpSpPr>
-        <p:grpSpPr>
-          <a:xfrm>
-            <a:off x="695700" y="695700"/>
-            <a:ext cx="7752600" cy="3752100"/>
-            <a:chOff x="695700" y="695700"/>
-            <a:chExt cx="7752600" cy="3752100"/>
-          </a:xfrm>
-        </p:grpSpPr>
-        <p:sp>
-          <p:nvSpPr>
-            <p:cNvPr id="209" name="Google Shape;209;p13"/>
-            <p:cNvSpPr/>
-            <p:nvPr/>
-          </p:nvSpPr>
-          <p:spPr>
-            <a:xfrm>
-              <a:off x="695700" y="695700"/>
-              <a:ext cx="7752600" cy="3752100"/>
-            </a:xfrm>
-            <a:prstGeom prst="rect">
-              <a:avLst/>
-            </a:prstGeom>
-            <a:gradFill>
-              <a:gsLst>
-                <a:gs pos="0">
-                  <a:schemeClr val="accent2"/>
-                </a:gs>
-                <a:gs pos="100000">
-                  <a:schemeClr val="accent1"/>
-                </a:gs>
-              </a:gsLst>
-              <a:lin ang="5400012" scaled="0"/>
-            </a:gradFill>
-            <a:ln>
-              <a:noFill/>
-            </a:ln>
-            <a:effectLst>
-              <a:outerShdw blurRad="300038" dist="19050" dir="5400000" algn="bl" rotWithShape="0">
-                <a:schemeClr val="dk1">
-                  <a:alpha val="50000"/>
-                </a:schemeClr>
-              </a:outerShdw>
-            </a:effectLst>
-          </p:spPr>
-          <p:txBody>
-            <a:bodyPr spcFirstLastPara="1" wrap="square" lIns="91425" tIns="91425" rIns="91425" bIns="91425" anchor="ctr" anchorCtr="0">
-              <a:noAutofit/>
-            </a:bodyPr>
-            <a:lstStyle/>
-            <a:p>
-              <a:pPr marL="0" lvl="0" indent="0" algn="l" rtl="0">
-                <a:spcBef>
-                  <a:spcPts val="0"/>
-                </a:spcBef>
-                <a:spcAft>
-                  <a:spcPts val="0"/>
-                </a:spcAft>
-                <a:buNone/>
-              </a:pPr>
-              <a:endParaRPr/>
-            </a:p>
-          </p:txBody>
-        </p:sp>
-        <p:sp>
-          <p:nvSpPr>
-            <p:cNvPr id="210" name="Google Shape;210;p13"/>
-            <p:cNvSpPr/>
-            <p:nvPr/>
-          </p:nvSpPr>
-          <p:spPr>
-            <a:xfrm>
-              <a:off x="695700" y="695700"/>
-              <a:ext cx="7752600" cy="3752100"/>
-            </a:xfrm>
-            <a:prstGeom prst="frame">
-              <a:avLst>
-                <a:gd name="adj1" fmla="val 204"/>
-              </a:avLst>
-            </a:prstGeom>
-            <a:gradFill>
-              <a:gsLst>
-                <a:gs pos="0">
-                  <a:schemeClr val="accent3"/>
-                </a:gs>
-                <a:gs pos="100000">
-                  <a:schemeClr val="accent2"/>
-                </a:gs>
-              </a:gsLst>
-              <a:lin ang="5400012" scaled="0"/>
-            </a:gradFill>
-            <a:ln>
-              <a:noFill/>
-            </a:ln>
-          </p:spPr>
-          <p:txBody>
-            <a:bodyPr spcFirstLastPara="1" wrap="square" lIns="91425" tIns="91425" rIns="91425" bIns="91425" anchor="ctr" anchorCtr="0">
-              <a:noAutofit/>
-            </a:bodyPr>
-            <a:lstStyle/>
-            <a:p>
-              <a:pPr marL="0" lvl="0" indent="0" algn="l" rtl="0">
-                <a:spcBef>
-                  <a:spcPts val="0"/>
-                </a:spcBef>
-                <a:spcAft>
-                  <a:spcPts val="0"/>
-                </a:spcAft>
-                <a:buNone/>
-              </a:pPr>
-              <a:endParaRPr/>
-            </a:p>
-          </p:txBody>
-        </p:sp>
-      </p:grpSp>
-      <p:sp>
-        <p:nvSpPr>
-          <p:cNvPr id="211" name="Google Shape;211;p13"/>
-          <p:cNvSpPr txBox="1">
-            <a:spLocks noGrp="1"/>
-          </p:cNvSpPr>
-          <p:nvPr>
-            <p:ph type="body" idx="1"/>
-          </p:nvPr>
-        </p:nvSpPr>
-        <p:spPr>
-          <a:xfrm>
-            <a:off x="812975" y="4025300"/>
-            <a:ext cx="7518000" cy="393600"/>
-          </a:xfrm>
-          <a:prstGeom prst="rect">
-            <a:avLst/>
-          </a:prstGeom>
-        </p:spPr>
-        <p:txBody>
-          <a:bodyPr spcFirstLastPara="1" wrap="square" lIns="0" tIns="0" rIns="0" bIns="0" anchor="t" anchorCtr="0">
-            <a:noAutofit/>
-          </a:bodyPr>
-          <a:lstStyle>
-            <a:lvl1pPr marL="457200" lvl="0" indent="-228600" algn="ctr" rtl="0">
-              <a:spcBef>
-                <a:spcPts val="360"/>
-              </a:spcBef>
-              <a:spcAft>
-                <a:spcPts val="0"/>
-              </a:spcAft>
-              <a:buSzPts val="1800"/>
-              <a:buNone/>
-              <a:defRPr sz="1800"/>
-            </a:lvl1pPr>
-          </a:lstStyle>
-          <a:p>
-            <a:endParaRPr/>
-          </a:p>
-        </p:txBody>
-      </p:sp>
-      <p:sp>
-        <p:nvSpPr>
-          <p:cNvPr id="212" name="Google Shape;212;p13"/>
-          <p:cNvSpPr txBox="1">
-            <a:spLocks noGrp="1"/>
-          </p:cNvSpPr>
-          <p:nvPr>
-            <p:ph type="sldNum" idx="12"/>
-          </p:nvPr>
-        </p:nvSpPr>
-        <p:spPr>
-          <a:xfrm>
-            <a:off x="4297650" y="4749851"/>
-            <a:ext cx="548700" cy="393600"/>
-          </a:xfrm>
-          <a:prstGeom prst="rect">
-            <a:avLst/>
-          </a:prstGeom>
-        </p:spPr>
-        <p:txBody>
-          <a:bodyPr spcFirstLastPara="1" wrap="square" lIns="0" tIns="0" rIns="0" bIns="0" anchor="ctr" anchorCtr="0">
-            <a:noAutofit/>
-          </a:bodyPr>
-          <a:lstStyle>
-            <a:lvl1pPr lvl="0" rtl="0">
-              <a:buNone/>
-              <a:defRPr/>
-            </a:lvl1pPr>
-            <a:lvl2pPr lvl="1" rtl="0">
-              <a:buNone/>
-              <a:defRPr/>
-            </a:lvl2pPr>
-            <a:lvl3pPr lvl="2" rtl="0">
-              <a:buNone/>
-              <a:defRPr/>
-            </a:lvl3pPr>
-            <a:lvl4pPr lvl="3" rtl="0">
-              <a:buNone/>
-              <a:defRPr/>
-            </a:lvl4pPr>
-            <a:lvl5pPr lvl="4" rtl="0">
-              <a:buNone/>
-              <a:defRPr/>
-            </a:lvl5pPr>
-            <a:lvl6pPr lvl="5" rtl="0">
-              <a:buNone/>
-              <a:defRPr/>
-            </a:lvl6pPr>
-            <a:lvl7pPr lvl="6" rtl="0">
-              <a:buNone/>
-              <a:defRPr/>
-            </a:lvl7pPr>
-            <a:lvl8pPr lvl="7" rtl="0">
-              <a:buNone/>
-              <a:defRPr/>
-            </a:lvl8pPr>
-            <a:lvl9pPr lvl="8" rtl="0">
-              <a:buNone/>
-              <a:defRPr/>
-            </a:lvl9pPr>
-          </a:lstStyle>
-          <a:p>
-            <a:pPr marL="0" lvl="0" indent="0" algn="ctr" rtl="0">
-              <a:spcBef>
-                <a:spcPts val="0"/>
-              </a:spcBef>
-              <a:spcAft>
-                <a:spcPts val="0"/>
-              </a:spcAft>
-              <a:buNone/>
-            </a:pPr>
-            <a:fld id="{00000000-1234-1234-1234-123412341234}" type="slidenum">
-              <a:rPr lang="en"/>
-              <a:t>‹#›</a:t>
-            </a:fld>
-            <a:endParaRPr/>
-          </a:p>
-        </p:txBody>
-      </p:sp>
-    </p:spTree>
-  </p:cSld>
-  <p:clrMapOvr>
-    <a:masterClrMapping/>
-  </p:clrMapOvr>
-</p:sldLayout>
-</file>
-
-<file path=ppt/slideLayouts/slideLayout11.xml><?xml version="1.0" encoding="utf-8"?>
 <p:sldLayout xmlns:a="http://schemas.openxmlformats.org/drawingml/2006/main" xmlns:r="http://schemas.openxmlformats.org/officeDocument/2006/relationships" xmlns:p="http://schemas.openxmlformats.org/presentationml/2006/main" matchingName="Blank" type="blank">
   <p:cSld name="BLANK">
     <p:spTree>
@@ -8092,461 +7831,6 @@
 </file>
 
 <file path=ppt/slideLayouts/slideLayout8.xml><?xml version="1.0" encoding="utf-8"?>
-<p:sldLayout xmlns:a="http://schemas.openxmlformats.org/drawingml/2006/main" xmlns:r="http://schemas.openxmlformats.org/officeDocument/2006/relationships" xmlns:p="http://schemas.openxmlformats.org/presentationml/2006/main" matchingName="JEOPARTY Answer">
-  <p:cSld name="TITLE_ONLY_1_1">
-    <p:spTree>
-      <p:nvGrpSpPr>
-        <p:cNvPr id="1" name="Shape 192"/>
-        <p:cNvGrpSpPr/>
-        <p:nvPr/>
-      </p:nvGrpSpPr>
-      <p:grpSpPr>
-        <a:xfrm>
-          <a:off x="0" y="0"/>
-          <a:ext cx="0" cy="0"/>
-          <a:chOff x="0" y="0"/>
-          <a:chExt cx="0" cy="0"/>
-        </a:xfrm>
-      </p:grpSpPr>
-      <p:grpSp>
-        <p:nvGrpSpPr>
-          <p:cNvPr id="193" name="Google Shape;193;p11"/>
-          <p:cNvGrpSpPr/>
-          <p:nvPr/>
-        </p:nvGrpSpPr>
-        <p:grpSpPr>
-          <a:xfrm>
-            <a:off x="485311" y="484852"/>
-            <a:ext cx="8177442" cy="4183216"/>
-            <a:chOff x="695700" y="695700"/>
-            <a:chExt cx="7752600" cy="3752100"/>
-          </a:xfrm>
-        </p:grpSpPr>
-        <p:sp>
-          <p:nvSpPr>
-            <p:cNvPr id="194" name="Google Shape;194;p11"/>
-            <p:cNvSpPr/>
-            <p:nvPr/>
-          </p:nvSpPr>
-          <p:spPr>
-            <a:xfrm>
-              <a:off x="695700" y="695700"/>
-              <a:ext cx="7752600" cy="3752100"/>
-            </a:xfrm>
-            <a:prstGeom prst="rect">
-              <a:avLst/>
-            </a:prstGeom>
-            <a:gradFill>
-              <a:gsLst>
-                <a:gs pos="0">
-                  <a:schemeClr val="accent2"/>
-                </a:gs>
-                <a:gs pos="100000">
-                  <a:schemeClr val="accent1"/>
-                </a:gs>
-              </a:gsLst>
-              <a:lin ang="5400012" scaled="0"/>
-            </a:gradFill>
-            <a:ln>
-              <a:noFill/>
-            </a:ln>
-            <a:effectLst>
-              <a:outerShdw blurRad="300038" dist="19050" dir="5400000" algn="bl" rotWithShape="0">
-                <a:schemeClr val="dk1">
-                  <a:alpha val="50000"/>
-                </a:schemeClr>
-              </a:outerShdw>
-            </a:effectLst>
-          </p:spPr>
-          <p:txBody>
-            <a:bodyPr spcFirstLastPara="1" wrap="square" lIns="91425" tIns="91425" rIns="91425" bIns="91425" anchor="ctr" anchorCtr="0">
-              <a:noAutofit/>
-            </a:bodyPr>
-            <a:lstStyle/>
-            <a:p>
-              <a:pPr marL="0" lvl="0" indent="0" algn="l" rtl="0">
-                <a:spcBef>
-                  <a:spcPts val="0"/>
-                </a:spcBef>
-                <a:spcAft>
-                  <a:spcPts val="0"/>
-                </a:spcAft>
-                <a:buNone/>
-              </a:pPr>
-              <a:endParaRPr/>
-            </a:p>
-          </p:txBody>
-        </p:sp>
-        <p:sp>
-          <p:nvSpPr>
-            <p:cNvPr id="195" name="Google Shape;195;p11"/>
-            <p:cNvSpPr/>
-            <p:nvPr/>
-          </p:nvSpPr>
-          <p:spPr>
-            <a:xfrm>
-              <a:off x="695700" y="695700"/>
-              <a:ext cx="7752600" cy="3752100"/>
-            </a:xfrm>
-            <a:prstGeom prst="frame">
-              <a:avLst>
-                <a:gd name="adj1" fmla="val 194"/>
-              </a:avLst>
-            </a:prstGeom>
-            <a:gradFill>
-              <a:gsLst>
-                <a:gs pos="0">
-                  <a:schemeClr val="accent3"/>
-                </a:gs>
-                <a:gs pos="100000">
-                  <a:schemeClr val="accent2"/>
-                </a:gs>
-              </a:gsLst>
-              <a:lin ang="5400012" scaled="0"/>
-            </a:gradFill>
-            <a:ln>
-              <a:noFill/>
-            </a:ln>
-          </p:spPr>
-          <p:txBody>
-            <a:bodyPr spcFirstLastPara="1" wrap="square" lIns="91425" tIns="91425" rIns="91425" bIns="91425" anchor="ctr" anchorCtr="0">
-              <a:noAutofit/>
-            </a:bodyPr>
-            <a:lstStyle/>
-            <a:p>
-              <a:pPr marL="0" lvl="0" indent="0" algn="l" rtl="0">
-                <a:spcBef>
-                  <a:spcPts val="0"/>
-                </a:spcBef>
-                <a:spcAft>
-                  <a:spcPts val="0"/>
-                </a:spcAft>
-                <a:buNone/>
-              </a:pPr>
-              <a:endParaRPr/>
-            </a:p>
-          </p:txBody>
-        </p:sp>
-      </p:grpSp>
-      <p:sp>
-        <p:nvSpPr>
-          <p:cNvPr id="196" name="Google Shape;196;p11"/>
-          <p:cNvSpPr txBox="1">
-            <a:spLocks noGrp="1"/>
-          </p:cNvSpPr>
-          <p:nvPr>
-            <p:ph type="title"/>
-          </p:nvPr>
-        </p:nvSpPr>
-        <p:spPr>
-          <a:xfrm>
-            <a:off x="1032075" y="998325"/>
-            <a:ext cx="7081800" cy="3156300"/>
-          </a:xfrm>
-          <a:prstGeom prst="rect">
-            <a:avLst/>
-          </a:prstGeom>
-        </p:spPr>
-        <p:txBody>
-          <a:bodyPr spcFirstLastPara="1" wrap="square" lIns="0" tIns="0" rIns="0" bIns="0" anchor="ctr" anchorCtr="0">
-            <a:noAutofit/>
-          </a:bodyPr>
-          <a:lstStyle>
-            <a:lvl1pPr lvl="0" algn="ctr" rtl="0">
-              <a:lnSpc>
-                <a:spcPct val="115000"/>
-              </a:lnSpc>
-              <a:spcBef>
-                <a:spcPts val="0"/>
-              </a:spcBef>
-              <a:spcAft>
-                <a:spcPts val="0"/>
-              </a:spcAft>
-              <a:buSzPts val="3400"/>
-              <a:buFont typeface="Della Respira"/>
-              <a:buNone/>
-              <a:defRPr sz="3400" b="1">
-                <a:latin typeface="Della Respira"/>
-                <a:ea typeface="Della Respira"/>
-                <a:cs typeface="Della Respira"/>
-                <a:sym typeface="Della Respira"/>
-              </a:defRPr>
-            </a:lvl1pPr>
-            <a:lvl2pPr lvl="1" algn="ctr" rtl="0">
-              <a:lnSpc>
-                <a:spcPct val="115000"/>
-              </a:lnSpc>
-              <a:spcBef>
-                <a:spcPts val="0"/>
-              </a:spcBef>
-              <a:spcAft>
-                <a:spcPts val="0"/>
-              </a:spcAft>
-              <a:buSzPts val="3400"/>
-              <a:buFont typeface="Della Respira"/>
-              <a:buNone/>
-              <a:defRPr sz="3400" b="1">
-                <a:latin typeface="Della Respira"/>
-                <a:ea typeface="Della Respira"/>
-                <a:cs typeface="Della Respira"/>
-                <a:sym typeface="Della Respira"/>
-              </a:defRPr>
-            </a:lvl2pPr>
-            <a:lvl3pPr lvl="2" algn="ctr" rtl="0">
-              <a:lnSpc>
-                <a:spcPct val="115000"/>
-              </a:lnSpc>
-              <a:spcBef>
-                <a:spcPts val="0"/>
-              </a:spcBef>
-              <a:spcAft>
-                <a:spcPts val="0"/>
-              </a:spcAft>
-              <a:buSzPts val="3400"/>
-              <a:buFont typeface="Della Respira"/>
-              <a:buNone/>
-              <a:defRPr sz="3400" b="1">
-                <a:latin typeface="Della Respira"/>
-                <a:ea typeface="Della Respira"/>
-                <a:cs typeface="Della Respira"/>
-                <a:sym typeface="Della Respira"/>
-              </a:defRPr>
-            </a:lvl3pPr>
-            <a:lvl4pPr lvl="3" algn="ctr" rtl="0">
-              <a:lnSpc>
-                <a:spcPct val="115000"/>
-              </a:lnSpc>
-              <a:spcBef>
-                <a:spcPts val="0"/>
-              </a:spcBef>
-              <a:spcAft>
-                <a:spcPts val="0"/>
-              </a:spcAft>
-              <a:buSzPts val="3400"/>
-              <a:buFont typeface="Della Respira"/>
-              <a:buNone/>
-              <a:defRPr sz="3400" b="1">
-                <a:latin typeface="Della Respira"/>
-                <a:ea typeface="Della Respira"/>
-                <a:cs typeface="Della Respira"/>
-                <a:sym typeface="Della Respira"/>
-              </a:defRPr>
-            </a:lvl4pPr>
-            <a:lvl5pPr lvl="4" algn="ctr" rtl="0">
-              <a:lnSpc>
-                <a:spcPct val="115000"/>
-              </a:lnSpc>
-              <a:spcBef>
-                <a:spcPts val="0"/>
-              </a:spcBef>
-              <a:spcAft>
-                <a:spcPts val="0"/>
-              </a:spcAft>
-              <a:buSzPts val="3400"/>
-              <a:buFont typeface="Della Respira"/>
-              <a:buNone/>
-              <a:defRPr sz="3400" b="1">
-                <a:latin typeface="Della Respira"/>
-                <a:ea typeface="Della Respira"/>
-                <a:cs typeface="Della Respira"/>
-                <a:sym typeface="Della Respira"/>
-              </a:defRPr>
-            </a:lvl5pPr>
-            <a:lvl6pPr lvl="5" algn="ctr" rtl="0">
-              <a:lnSpc>
-                <a:spcPct val="115000"/>
-              </a:lnSpc>
-              <a:spcBef>
-                <a:spcPts val="0"/>
-              </a:spcBef>
-              <a:spcAft>
-                <a:spcPts val="0"/>
-              </a:spcAft>
-              <a:buSzPts val="3400"/>
-              <a:buFont typeface="Della Respira"/>
-              <a:buNone/>
-              <a:defRPr sz="3400" b="1">
-                <a:latin typeface="Della Respira"/>
-                <a:ea typeface="Della Respira"/>
-                <a:cs typeface="Della Respira"/>
-                <a:sym typeface="Della Respira"/>
-              </a:defRPr>
-            </a:lvl6pPr>
-            <a:lvl7pPr lvl="6" algn="ctr" rtl="0">
-              <a:lnSpc>
-                <a:spcPct val="115000"/>
-              </a:lnSpc>
-              <a:spcBef>
-                <a:spcPts val="0"/>
-              </a:spcBef>
-              <a:spcAft>
-                <a:spcPts val="0"/>
-              </a:spcAft>
-              <a:buSzPts val="3400"/>
-              <a:buFont typeface="Della Respira"/>
-              <a:buNone/>
-              <a:defRPr sz="3400" b="1">
-                <a:latin typeface="Della Respira"/>
-                <a:ea typeface="Della Respira"/>
-                <a:cs typeface="Della Respira"/>
-                <a:sym typeface="Della Respira"/>
-              </a:defRPr>
-            </a:lvl7pPr>
-            <a:lvl8pPr lvl="7" algn="ctr" rtl="0">
-              <a:lnSpc>
-                <a:spcPct val="115000"/>
-              </a:lnSpc>
-              <a:spcBef>
-                <a:spcPts val="0"/>
-              </a:spcBef>
-              <a:spcAft>
-                <a:spcPts val="0"/>
-              </a:spcAft>
-              <a:buSzPts val="3400"/>
-              <a:buFont typeface="Della Respira"/>
-              <a:buNone/>
-              <a:defRPr sz="3400" b="1">
-                <a:latin typeface="Della Respira"/>
-                <a:ea typeface="Della Respira"/>
-                <a:cs typeface="Della Respira"/>
-                <a:sym typeface="Della Respira"/>
-              </a:defRPr>
-            </a:lvl8pPr>
-            <a:lvl9pPr lvl="8" algn="ctr" rtl="0">
-              <a:lnSpc>
-                <a:spcPct val="115000"/>
-              </a:lnSpc>
-              <a:spcBef>
-                <a:spcPts val="0"/>
-              </a:spcBef>
-              <a:spcAft>
-                <a:spcPts val="0"/>
-              </a:spcAft>
-              <a:buSzPts val="3400"/>
-              <a:buFont typeface="Della Respira"/>
-              <a:buNone/>
-              <a:defRPr sz="3400" b="1">
-                <a:latin typeface="Della Respira"/>
-                <a:ea typeface="Della Respira"/>
-                <a:cs typeface="Della Respira"/>
-                <a:sym typeface="Della Respira"/>
-              </a:defRPr>
-            </a:lvl9pPr>
-          </a:lstStyle>
-          <a:p>
-            <a:endParaRPr/>
-          </a:p>
-        </p:txBody>
-      </p:sp>
-      <p:sp>
-        <p:nvSpPr>
-          <p:cNvPr id="197" name="Google Shape;197;p11"/>
-          <p:cNvSpPr txBox="1"/>
-          <p:nvPr/>
-        </p:nvSpPr>
-        <p:spPr>
-          <a:xfrm>
-            <a:off x="3394800" y="4328600"/>
-            <a:ext cx="2354400" cy="144600"/>
-          </a:xfrm>
-          <a:prstGeom prst="rect">
-            <a:avLst/>
-          </a:prstGeom>
-          <a:noFill/>
-          <a:ln>
-            <a:noFill/>
-          </a:ln>
-        </p:spPr>
-        <p:txBody>
-          <a:bodyPr spcFirstLastPara="1" wrap="square" lIns="0" tIns="0" rIns="0" bIns="0" anchor="t" anchorCtr="0">
-            <a:noAutofit/>
-          </a:bodyPr>
-          <a:lstStyle/>
-          <a:p>
-            <a:pPr marL="0" lvl="0" indent="0" algn="ctr" rtl="0">
-              <a:spcBef>
-                <a:spcPts val="0"/>
-              </a:spcBef>
-              <a:spcAft>
-                <a:spcPts val="0"/>
-              </a:spcAft>
-              <a:buNone/>
-            </a:pPr>
-            <a:r>
-              <a:rPr lang="en" sz="1000">
-                <a:solidFill>
-                  <a:srgbClr val="6D9EEB"/>
-                </a:solidFill>
-                <a:latin typeface="Della Respira"/>
-                <a:ea typeface="Della Respira"/>
-                <a:cs typeface="Della Respira"/>
-                <a:sym typeface="Della Respira"/>
-              </a:rPr>
-              <a:t>⬅ BACK TO PANEL</a:t>
-            </a:r>
-            <a:endParaRPr sz="1000">
-              <a:solidFill>
-                <a:srgbClr val="6D9EEB"/>
-              </a:solidFill>
-              <a:latin typeface="Della Respira"/>
-              <a:ea typeface="Della Respira"/>
-              <a:cs typeface="Della Respira"/>
-              <a:sym typeface="Della Respira"/>
-            </a:endParaRPr>
-          </a:p>
-        </p:txBody>
-      </p:sp>
-      <p:sp>
-        <p:nvSpPr>
-          <p:cNvPr id="198" name="Google Shape;198;p11">
-            <a:hlinkClick r:id="rId2" action="ppaction://hlinksldjump"/>
-          </p:cNvPr>
-          <p:cNvSpPr/>
-          <p:nvPr/>
-        </p:nvSpPr>
-        <p:spPr>
-          <a:xfrm>
-            <a:off x="0" y="0"/>
-            <a:ext cx="9144000" cy="5143500"/>
-          </a:xfrm>
-          <a:prstGeom prst="frame">
-            <a:avLst>
-              <a:gd name="adj1" fmla="val 19553"/>
-            </a:avLst>
-          </a:prstGeom>
-          <a:noFill/>
-          <a:ln>
-            <a:noFill/>
-          </a:ln>
-        </p:spPr>
-        <p:txBody>
-          <a:bodyPr spcFirstLastPara="1" wrap="square" lIns="91425" tIns="91425" rIns="91425" bIns="91425" anchor="ctr" anchorCtr="0">
-            <a:noAutofit/>
-          </a:bodyPr>
-          <a:lstStyle/>
-          <a:p>
-            <a:pPr marL="0" lvl="0" indent="0" algn="l" rtl="0">
-              <a:spcBef>
-                <a:spcPts val="0"/>
-              </a:spcBef>
-              <a:spcAft>
-                <a:spcPts val="0"/>
-              </a:spcAft>
-              <a:buNone/>
-            </a:pPr>
-            <a:endParaRPr/>
-          </a:p>
-        </p:txBody>
-      </p:sp>
-    </p:spTree>
-  </p:cSld>
-  <p:clrMapOvr>
-    <a:masterClrMapping/>
-  </p:clrMapOvr>
-</p:sldLayout>
-</file>
-
-<file path=ppt/slideLayouts/slideLayout9.xml><?xml version="1.0" encoding="utf-8"?>
 <p:sldLayout xmlns:a="http://schemas.openxmlformats.org/drawingml/2006/main" xmlns:r="http://schemas.openxmlformats.org/officeDocument/2006/relationships" xmlns:p="http://schemas.openxmlformats.org/presentationml/2006/main" matchingName="JEOPARTY Answer (with category info)">
   <p:cSld name="TITLE_ONLY_1_1_1">
     <p:spTree>
@@ -9115,6 +8399,271 @@
               <a:cs typeface="Della Respira"/>
               <a:sym typeface="Della Respira"/>
             </a:endParaRPr>
+          </a:p>
+        </p:txBody>
+      </p:sp>
+    </p:spTree>
+  </p:cSld>
+  <p:clrMapOvr>
+    <a:masterClrMapping/>
+  </p:clrMapOvr>
+</p:sldLayout>
+</file>
+
+<file path=ppt/slideLayouts/slideLayout9.xml><?xml version="1.0" encoding="utf-8"?>
+<p:sldLayout xmlns:a="http://schemas.openxmlformats.org/drawingml/2006/main" xmlns:r="http://schemas.openxmlformats.org/officeDocument/2006/relationships" xmlns:p="http://schemas.openxmlformats.org/presentationml/2006/main" matchingName="Caption">
+  <p:cSld name="CAPTION_ONLY">
+    <p:spTree>
+      <p:nvGrpSpPr>
+        <p:cNvPr id="1" name="Shape 207"/>
+        <p:cNvGrpSpPr/>
+        <p:nvPr/>
+      </p:nvGrpSpPr>
+      <p:grpSpPr>
+        <a:xfrm>
+          <a:off x="0" y="0"/>
+          <a:ext cx="0" cy="0"/>
+          <a:chOff x="0" y="0"/>
+          <a:chExt cx="0" cy="0"/>
+        </a:xfrm>
+      </p:grpSpPr>
+      <p:grpSp>
+        <p:nvGrpSpPr>
+          <p:cNvPr id="208" name="Google Shape;208;p13"/>
+          <p:cNvGrpSpPr/>
+          <p:nvPr/>
+        </p:nvGrpSpPr>
+        <p:grpSpPr>
+          <a:xfrm>
+            <a:off x="695700" y="695700"/>
+            <a:ext cx="7752600" cy="3752100"/>
+            <a:chOff x="695700" y="695700"/>
+            <a:chExt cx="7752600" cy="3752100"/>
+          </a:xfrm>
+        </p:grpSpPr>
+        <p:sp>
+          <p:nvSpPr>
+            <p:cNvPr id="209" name="Google Shape;209;p13"/>
+            <p:cNvSpPr/>
+            <p:nvPr/>
+          </p:nvSpPr>
+          <p:spPr>
+            <a:xfrm>
+              <a:off x="695700" y="695700"/>
+              <a:ext cx="7752600" cy="3752100"/>
+            </a:xfrm>
+            <a:prstGeom prst="rect">
+              <a:avLst/>
+            </a:prstGeom>
+            <a:gradFill>
+              <a:gsLst>
+                <a:gs pos="0">
+                  <a:schemeClr val="accent2"/>
+                </a:gs>
+                <a:gs pos="100000">
+                  <a:schemeClr val="accent1"/>
+                </a:gs>
+              </a:gsLst>
+              <a:lin ang="5400012" scaled="0"/>
+            </a:gradFill>
+            <a:ln>
+              <a:noFill/>
+            </a:ln>
+            <a:effectLst>
+              <a:outerShdw blurRad="300038" dist="19050" dir="5400000" algn="bl" rotWithShape="0">
+                <a:schemeClr val="dk1">
+                  <a:alpha val="50000"/>
+                </a:schemeClr>
+              </a:outerShdw>
+            </a:effectLst>
+          </p:spPr>
+          <p:txBody>
+            <a:bodyPr spcFirstLastPara="1" wrap="square" lIns="91425" tIns="91425" rIns="91425" bIns="91425" anchor="ctr" anchorCtr="0">
+              <a:noAutofit/>
+            </a:bodyPr>
+            <a:lstStyle/>
+            <a:p>
+              <a:pPr marL="0" lvl="0" indent="0" algn="l" rtl="0">
+                <a:spcBef>
+                  <a:spcPts val="0"/>
+                </a:spcBef>
+                <a:spcAft>
+                  <a:spcPts val="0"/>
+                </a:spcAft>
+                <a:buNone/>
+              </a:pPr>
+              <a:endParaRPr/>
+            </a:p>
+          </p:txBody>
+        </p:sp>
+        <p:sp>
+          <p:nvSpPr>
+            <p:cNvPr id="210" name="Google Shape;210;p13"/>
+            <p:cNvSpPr/>
+            <p:nvPr/>
+          </p:nvSpPr>
+          <p:spPr>
+            <a:xfrm>
+              <a:off x="695700" y="695700"/>
+              <a:ext cx="7752600" cy="3752100"/>
+            </a:xfrm>
+            <a:prstGeom prst="frame">
+              <a:avLst>
+                <a:gd name="adj1" fmla="val 204"/>
+              </a:avLst>
+            </a:prstGeom>
+            <a:gradFill>
+              <a:gsLst>
+                <a:gs pos="0">
+                  <a:schemeClr val="accent3"/>
+                </a:gs>
+                <a:gs pos="100000">
+                  <a:schemeClr val="accent2"/>
+                </a:gs>
+              </a:gsLst>
+              <a:lin ang="5400012" scaled="0"/>
+            </a:gradFill>
+            <a:ln>
+              <a:noFill/>
+            </a:ln>
+          </p:spPr>
+          <p:txBody>
+            <a:bodyPr spcFirstLastPara="1" wrap="square" lIns="91425" tIns="91425" rIns="91425" bIns="91425" anchor="ctr" anchorCtr="0">
+              <a:noAutofit/>
+            </a:bodyPr>
+            <a:lstStyle/>
+            <a:p>
+              <a:pPr marL="0" lvl="0" indent="0" algn="l" rtl="0">
+                <a:spcBef>
+                  <a:spcPts val="0"/>
+                </a:spcBef>
+                <a:spcAft>
+                  <a:spcPts val="0"/>
+                </a:spcAft>
+                <a:buNone/>
+              </a:pPr>
+              <a:endParaRPr/>
+            </a:p>
+          </p:txBody>
+        </p:sp>
+      </p:grpSp>
+      <p:sp>
+        <p:nvSpPr>
+          <p:cNvPr id="211" name="Google Shape;211;p13"/>
+          <p:cNvSpPr txBox="1">
+            <a:spLocks noGrp="1"/>
+          </p:cNvSpPr>
+          <p:nvPr>
+            <p:ph type="body" idx="1"/>
+          </p:nvPr>
+        </p:nvSpPr>
+        <p:spPr>
+          <a:xfrm>
+            <a:off x="812975" y="4025300"/>
+            <a:ext cx="7518000" cy="393600"/>
+          </a:xfrm>
+          <a:prstGeom prst="rect">
+            <a:avLst/>
+          </a:prstGeom>
+        </p:spPr>
+        <p:txBody>
+          <a:bodyPr spcFirstLastPara="1" wrap="square" lIns="0" tIns="0" rIns="0" bIns="0" anchor="t" anchorCtr="0">
+            <a:noAutofit/>
+          </a:bodyPr>
+          <a:lstStyle>
+            <a:lvl1pPr marL="457200" lvl="0" indent="-228600" algn="ctr" rtl="0">
+              <a:spcBef>
+                <a:spcPts val="360"/>
+              </a:spcBef>
+              <a:spcAft>
+                <a:spcPts val="0"/>
+              </a:spcAft>
+              <a:buSzPts val="1800"/>
+              <a:buNone/>
+              <a:defRPr sz="1800"/>
+            </a:lvl1pPr>
+          </a:lstStyle>
+          <a:p>
+            <a:endParaRPr/>
+          </a:p>
+        </p:txBody>
+      </p:sp>
+      <p:sp>
+        <p:nvSpPr>
+          <p:cNvPr id="212" name="Google Shape;212;p13"/>
+          <p:cNvSpPr txBox="1">
+            <a:spLocks noGrp="1"/>
+          </p:cNvSpPr>
+          <p:nvPr>
+            <p:ph type="sldNum" idx="12"/>
+          </p:nvPr>
+        </p:nvSpPr>
+        <p:spPr>
+          <a:xfrm>
+            <a:off x="4297650" y="4749851"/>
+            <a:ext cx="548700" cy="393600"/>
+          </a:xfrm>
+          <a:prstGeom prst="rect">
+            <a:avLst/>
+          </a:prstGeom>
+        </p:spPr>
+        <p:txBody>
+          <a:bodyPr spcFirstLastPara="1" wrap="square" lIns="0" tIns="0" rIns="0" bIns="0" anchor="ctr" anchorCtr="0">
+            <a:noAutofit/>
+          </a:bodyPr>
+          <a:lstStyle>
+            <a:lvl1pPr lvl="0" rtl="0">
+              <a:buNone/>
+              <a:defRPr/>
+            </a:lvl1pPr>
+            <a:lvl2pPr lvl="1" rtl="0">
+              <a:buNone/>
+              <a:defRPr/>
+            </a:lvl2pPr>
+            <a:lvl3pPr lvl="2" rtl="0">
+              <a:buNone/>
+              <a:defRPr/>
+            </a:lvl3pPr>
+            <a:lvl4pPr lvl="3" rtl="0">
+              <a:buNone/>
+              <a:defRPr/>
+            </a:lvl4pPr>
+            <a:lvl5pPr lvl="4" rtl="0">
+              <a:buNone/>
+              <a:defRPr/>
+            </a:lvl5pPr>
+            <a:lvl6pPr lvl="5" rtl="0">
+              <a:buNone/>
+              <a:defRPr/>
+            </a:lvl6pPr>
+            <a:lvl7pPr lvl="6" rtl="0">
+              <a:buNone/>
+              <a:defRPr/>
+            </a:lvl7pPr>
+            <a:lvl8pPr lvl="7" rtl="0">
+              <a:buNone/>
+              <a:defRPr/>
+            </a:lvl8pPr>
+            <a:lvl9pPr lvl="8" rtl="0">
+              <a:buNone/>
+              <a:defRPr/>
+            </a:lvl9pPr>
+          </a:lstStyle>
+          <a:p>
+            <a:pPr marL="0" lvl="0" indent="0" algn="ctr" rtl="0">
+              <a:spcBef>
+                <a:spcPts val="0"/>
+              </a:spcBef>
+              <a:spcAft>
+                <a:spcPts val="0"/>
+              </a:spcAft>
+              <a:buNone/>
+            </a:pPr>
+            <a:fld id="{00000000-1234-1234-1234-123412341234}" type="slidenum">
+              <a:rPr lang="en"/>
+              <a:t>‹#›</a:t>
+            </a:fld>
+            <a:endParaRPr/>
           </a:p>
         </p:txBody>
       </p:sp>
@@ -18747,10 +18296,9 @@
     <p:sldLayoutId id="2147483654" r:id="rId5"/>
     <p:sldLayoutId id="2147483655" r:id="rId6"/>
     <p:sldLayoutId id="2147483656" r:id="rId7"/>
-    <p:sldLayoutId id="2147483657" r:id="rId8"/>
-    <p:sldLayoutId id="2147483658" r:id="rId9"/>
-    <p:sldLayoutId id="2147483659" r:id="rId10"/>
-    <p:sldLayoutId id="2147483660" r:id="rId11"/>
+    <p:sldLayoutId id="2147483658" r:id="rId8"/>
+    <p:sldLayoutId id="2147483659" r:id="rId9"/>
+    <p:sldLayoutId id="2147483660" r:id="rId10"/>
   </p:sldLayoutIdLst>
   <p:transition>
     <p:fade/>
@@ -20240,18 +19788,18 @@
               <a:buNone/>
             </a:pPr>
             <a:r>
-              <a:rPr lang="en"/>
-              <a:t>CATEGORY 2 · </a:t>
+              <a:rPr lang="en" dirty="0"/>
+              <a:t>Transform · </a:t>
             </a:r>
             <a:r>
-              <a:rPr lang="en">
+              <a:rPr lang="en" dirty="0">
                 <a:solidFill>
                   <a:srgbClr val="FFC319"/>
                 </a:solidFill>
               </a:rPr>
               <a:t>$800</a:t>
             </a:r>
-            <a:endParaRPr>
+            <a:endParaRPr dirty="0">
               <a:solidFill>
                 <a:srgbClr val="FFC319"/>
               </a:solidFill>
@@ -20360,18 +19908,18 @@
               <a:buNone/>
             </a:pPr>
             <a:r>
-              <a:rPr lang="en"/>
-              <a:t>CATEGORY 3 · </a:t>
+              <a:rPr lang="en" dirty="0"/>
+              <a:t>Load· </a:t>
             </a:r>
             <a:r>
-              <a:rPr lang="en">
+              <a:rPr lang="en" dirty="0">
                 <a:solidFill>
                   <a:srgbClr val="FFC319"/>
                 </a:solidFill>
               </a:rPr>
               <a:t>$200</a:t>
             </a:r>
-            <a:endParaRPr>
+            <a:endParaRPr dirty="0">
               <a:solidFill>
                 <a:srgbClr val="FFC319"/>
               </a:solidFill>
@@ -20481,18 +20029,18 @@
               <a:buNone/>
             </a:pPr>
             <a:r>
-              <a:rPr lang="en"/>
-              <a:t>CATEGORY 3 · </a:t>
+              <a:rPr lang="en" dirty="0"/>
+              <a:t>Load · </a:t>
             </a:r>
             <a:r>
-              <a:rPr lang="en">
+              <a:rPr lang="en" dirty="0">
                 <a:solidFill>
                   <a:srgbClr val="FFC319"/>
                 </a:solidFill>
               </a:rPr>
               <a:t>$400</a:t>
             </a:r>
-            <a:endParaRPr>
+            <a:endParaRPr dirty="0">
               <a:solidFill>
                 <a:srgbClr val="FFC319"/>
               </a:solidFill>
@@ -20594,18 +20142,18 @@
               <a:buNone/>
             </a:pPr>
             <a:r>
-              <a:rPr lang="en"/>
-              <a:t>CATEGORY 3 · </a:t>
+              <a:rPr lang="en" dirty="0"/>
+              <a:t>Load · </a:t>
             </a:r>
             <a:r>
-              <a:rPr lang="en">
+              <a:rPr lang="en" dirty="0">
                 <a:solidFill>
                   <a:srgbClr val="FFC319"/>
                 </a:solidFill>
               </a:rPr>
               <a:t>$600</a:t>
             </a:r>
-            <a:endParaRPr>
+            <a:endParaRPr dirty="0">
               <a:solidFill>
                 <a:srgbClr val="FFC319"/>
               </a:solidFill>
@@ -20715,18 +20263,18 @@
               <a:buNone/>
             </a:pPr>
             <a:r>
-              <a:rPr lang="en"/>
-              <a:t>CATEGORY 3 · </a:t>
+              <a:rPr lang="en" dirty="0"/>
+              <a:t>Load · </a:t>
             </a:r>
             <a:r>
-              <a:rPr lang="en">
+              <a:rPr lang="en" dirty="0">
                 <a:solidFill>
                   <a:srgbClr val="FFC319"/>
                 </a:solidFill>
               </a:rPr>
               <a:t>$800</a:t>
             </a:r>
-            <a:endParaRPr>
+            <a:endParaRPr dirty="0">
               <a:solidFill>
                 <a:srgbClr val="FFC319"/>
               </a:solidFill>
@@ -20832,18 +20380,18 @@
               <a:buNone/>
             </a:pPr>
             <a:r>
-              <a:rPr lang="en"/>
-              <a:t>CATEGORY 4 · </a:t>
+              <a:rPr lang="en" dirty="0"/>
+              <a:t>AWS · </a:t>
             </a:r>
             <a:r>
-              <a:rPr lang="en">
+              <a:rPr lang="en" dirty="0">
                 <a:solidFill>
                   <a:srgbClr val="FFC319"/>
                 </a:solidFill>
               </a:rPr>
               <a:t>$200</a:t>
             </a:r>
-            <a:endParaRPr>
+            <a:endParaRPr dirty="0">
               <a:solidFill>
                 <a:srgbClr val="FFC319"/>
               </a:solidFill>
@@ -20945,18 +20493,18 @@
               <a:buNone/>
             </a:pPr>
             <a:r>
-              <a:rPr lang="en"/>
-              <a:t>CATEGORY 4 · </a:t>
+              <a:rPr lang="en" dirty="0"/>
+              <a:t>AWS · </a:t>
             </a:r>
             <a:r>
-              <a:rPr lang="en">
+              <a:rPr lang="en" dirty="0">
                 <a:solidFill>
                   <a:srgbClr val="FFC319"/>
                 </a:solidFill>
               </a:rPr>
               <a:t>$400</a:t>
             </a:r>
-            <a:endParaRPr>
+            <a:endParaRPr dirty="0">
               <a:solidFill>
                 <a:srgbClr val="FFC319"/>
               </a:solidFill>
@@ -21071,18 +20619,18 @@
               <a:buNone/>
             </a:pPr>
             <a:r>
-              <a:rPr lang="en"/>
-              <a:t>CATEGORY 4 · </a:t>
+              <a:rPr lang="en" dirty="0"/>
+              <a:t>AWS · </a:t>
             </a:r>
             <a:r>
-              <a:rPr lang="en">
+              <a:rPr lang="en" dirty="0">
                 <a:solidFill>
                   <a:srgbClr val="FFC319"/>
                 </a:solidFill>
               </a:rPr>
               <a:t>$600</a:t>
             </a:r>
-            <a:endParaRPr>
+            <a:endParaRPr dirty="0">
               <a:solidFill>
                 <a:srgbClr val="FFC319"/>
               </a:solidFill>
@@ -21186,28 +20734,20 @@
           </a:bodyPr>
           <a:lstStyle/>
           <a:p>
-            <a:pPr marL="0" lvl="0" indent="0" algn="ctr" rtl="0">
-              <a:spcBef>
-                <a:spcPts val="600"/>
-              </a:spcBef>
-              <a:spcAft>
-                <a:spcPts val="0"/>
-              </a:spcAft>
-              <a:buNone/>
-            </a:pPr>
+            <a:pPr marL="0" lvl="0" indent="0"/>
             <a:r>
-              <a:rPr lang="en"/>
-              <a:t>CATEGORY 4 · </a:t>
+              <a:rPr lang="en" dirty="0"/>
+              <a:t>AWS · </a:t>
             </a:r>
             <a:r>
-              <a:rPr lang="en">
+              <a:rPr lang="en" dirty="0">
                 <a:solidFill>
                   <a:srgbClr val="FFC319"/>
                 </a:solidFill>
               </a:rPr>
               <a:t>$800</a:t>
             </a:r>
-            <a:endParaRPr>
+            <a:endParaRPr dirty="0">
               <a:solidFill>
                 <a:srgbClr val="FFC319"/>
               </a:solidFill>
@@ -21307,28 +20847,20 @@
           </a:bodyPr>
           <a:lstStyle/>
           <a:p>
-            <a:pPr marL="0" lvl="0" indent="0" algn="ctr" rtl="0">
-              <a:spcBef>
-                <a:spcPts val="600"/>
-              </a:spcBef>
-              <a:spcAft>
-                <a:spcPts val="0"/>
-              </a:spcAft>
-              <a:buNone/>
-            </a:pPr>
+            <a:pPr marL="0" lvl="0" indent="0"/>
             <a:r>
-              <a:rPr lang="en"/>
-              <a:t>CATEGORY 5 · </a:t>
+              <a:rPr lang="en" dirty="0"/>
+              <a:t>Microservices  · </a:t>
             </a:r>
             <a:r>
-              <a:rPr lang="en">
+              <a:rPr lang="en" dirty="0">
                 <a:solidFill>
                   <a:srgbClr val="FFC319"/>
                 </a:solidFill>
               </a:rPr>
               <a:t>$200</a:t>
             </a:r>
-            <a:endParaRPr>
+            <a:endParaRPr dirty="0">
               <a:solidFill>
                 <a:srgbClr val="FFC319"/>
               </a:solidFill>
@@ -23168,28 +22700,20 @@
           </a:bodyPr>
           <a:lstStyle/>
           <a:p>
-            <a:pPr marL="0" lvl="0" indent="0" algn="ctr" rtl="0">
-              <a:spcBef>
-                <a:spcPts val="600"/>
-              </a:spcBef>
-              <a:spcAft>
-                <a:spcPts val="0"/>
-              </a:spcAft>
-              <a:buNone/>
-            </a:pPr>
+            <a:pPr marL="0" lvl="0" indent="0"/>
             <a:r>
-              <a:rPr lang="en"/>
-              <a:t>CATEGORY 5 · </a:t>
+              <a:rPr lang="en" dirty="0"/>
+              <a:t>Microservices  · </a:t>
             </a:r>
             <a:r>
-              <a:rPr lang="en">
+              <a:rPr lang="en" dirty="0">
                 <a:solidFill>
                   <a:srgbClr val="FFC319"/>
                 </a:solidFill>
               </a:rPr>
               <a:t>$400</a:t>
             </a:r>
-            <a:endParaRPr>
+            <a:endParaRPr dirty="0">
               <a:solidFill>
                 <a:srgbClr val="FFC319"/>
               </a:solidFill>
@@ -23291,18 +22815,18 @@
               <a:buNone/>
             </a:pPr>
             <a:r>
-              <a:rPr lang="en"/>
-              <a:t>CATEGORY 5 · </a:t>
+              <a:rPr lang="en" dirty="0"/>
+              <a:t>Microservices· </a:t>
             </a:r>
             <a:r>
-              <a:rPr lang="en">
+              <a:rPr lang="en" dirty="0">
                 <a:solidFill>
                   <a:srgbClr val="FFC319"/>
                 </a:solidFill>
               </a:rPr>
               <a:t>$600</a:t>
             </a:r>
-            <a:endParaRPr>
+            <a:endParaRPr dirty="0">
               <a:solidFill>
                 <a:srgbClr val="FFC319"/>
               </a:solidFill>
@@ -23371,7 +22895,7 @@
             </a:pPr>
             <a:r>
               <a:rPr lang="en" dirty="0"/>
-              <a:t>Daily Double</a:t>
+              <a:t>Video</a:t>
             </a:r>
             <a:endParaRPr dirty="0"/>
           </a:p>
@@ -23412,18 +22936,18 @@
               <a:buNone/>
             </a:pPr>
             <a:r>
-              <a:rPr lang="en"/>
-              <a:t>CATEGORY 5 · </a:t>
+              <a:rPr lang="en" dirty="0"/>
+              <a:t>Microservices· </a:t>
             </a:r>
             <a:r>
-              <a:rPr lang="en">
+              <a:rPr lang="en" dirty="0">
                 <a:solidFill>
                   <a:srgbClr val="FFC319"/>
                 </a:solidFill>
               </a:rPr>
               <a:t>$800</a:t>
             </a:r>
-            <a:endParaRPr>
+            <a:endParaRPr dirty="0">
               <a:solidFill>
                 <a:srgbClr val="FFC319"/>
               </a:solidFill>
@@ -23440,36 +22964,6 @@
 </file>
 
 <file path=ppt/slides/slide23.xml><?xml version="1.0" encoding="utf-8"?>
-<p:sld xmlns:a="http://schemas.openxmlformats.org/drawingml/2006/main" xmlns:r="http://schemas.openxmlformats.org/officeDocument/2006/relationships" xmlns:p="http://schemas.openxmlformats.org/presentationml/2006/main">
-  <p:cSld>
-    <p:spTree>
-      <p:nvGrpSpPr>
-        <p:cNvPr id="1" name=""/>
-        <p:cNvGrpSpPr/>
-        <p:nvPr/>
-      </p:nvGrpSpPr>
-      <p:grpSpPr>
-        <a:xfrm>
-          <a:off x="0" y="0"/>
-          <a:ext cx="0" cy="0"/>
-          <a:chOff x="0" y="0"/>
-          <a:chExt cx="0" cy="0"/>
-        </a:xfrm>
-      </p:grpSpPr>
-    </p:spTree>
-    <p:extLst>
-      <p:ext uri="{BB962C8B-B14F-4D97-AF65-F5344CB8AC3E}">
-        <p14:creationId xmlns:p14="http://schemas.microsoft.com/office/powerpoint/2010/main" val="1085767222"/>
-      </p:ext>
-    </p:extLst>
-  </p:cSld>
-  <p:clrMapOvr>
-    <a:masterClrMapping/>
-  </p:clrMapOvr>
-</p:sld>
-</file>
-
-<file path=ppt/slides/slide24.xml><?xml version="1.0" encoding="utf-8"?>
 <p:sld xmlns:a="http://schemas.openxmlformats.org/drawingml/2006/main" xmlns:r="http://schemas.openxmlformats.org/officeDocument/2006/relationships" xmlns:p="http://schemas.openxmlformats.org/presentationml/2006/main">
   <p:cSld>
     <p:spTree>
@@ -23641,18 +23135,18 @@
               <a:buNone/>
             </a:pPr>
             <a:r>
-              <a:rPr lang="en"/>
-              <a:t>CATEGORY 1 · </a:t>
+              <a:rPr lang="en" dirty="0"/>
+              <a:t>Extract · </a:t>
             </a:r>
             <a:r>
-              <a:rPr lang="en">
+              <a:rPr lang="en" dirty="0">
                 <a:solidFill>
                   <a:srgbClr val="FFC319"/>
                 </a:solidFill>
               </a:rPr>
               <a:t>$200</a:t>
             </a:r>
-            <a:endParaRPr>
+            <a:endParaRPr dirty="0">
               <a:solidFill>
                 <a:srgbClr val="FFC319"/>
               </a:solidFill>
@@ -23736,7 +23230,7 @@
                 <a:ea typeface="Helvetica Neue Light" panose="02000403000000020004" pitchFamily="2" charset="0"/>
                 <a:cs typeface="Calibri" panose="020F0502020204030204" pitchFamily="34" charset="0"/>
               </a:rPr>
-              <a:t> - Remove all types of duplicate/fragmented data</a:t>
+              <a:t> - Remove all types of duplicate/ fragmented data</a:t>
             </a:r>
             <a:br>
               <a:rPr lang="en-US" sz="3200" dirty="0">
@@ -23791,18 +23285,18 @@
               <a:buNone/>
             </a:pPr>
             <a:r>
-              <a:rPr lang="en"/>
-              <a:t>CATEGORY 1 · </a:t>
+              <a:rPr lang="en" dirty="0"/>
+              <a:t>Extract · </a:t>
             </a:r>
             <a:r>
-              <a:rPr lang="en">
+              <a:rPr lang="en" dirty="0">
                 <a:solidFill>
                   <a:srgbClr val="FFC319"/>
                 </a:solidFill>
               </a:rPr>
               <a:t>$400</a:t>
             </a:r>
-            <a:endParaRPr>
+            <a:endParaRPr dirty="0">
               <a:solidFill>
                 <a:srgbClr val="FFC319"/>
               </a:solidFill>
@@ -23919,18 +23413,18 @@
               <a:buNone/>
             </a:pPr>
             <a:r>
-              <a:rPr lang="en"/>
-              <a:t>CATEGORY 1 · </a:t>
+              <a:rPr lang="en" dirty="0"/>
+              <a:t>Extract· </a:t>
             </a:r>
             <a:r>
-              <a:rPr lang="en">
+              <a:rPr lang="en" dirty="0">
                 <a:solidFill>
                   <a:srgbClr val="FFC319"/>
                 </a:solidFill>
               </a:rPr>
               <a:t>$600</a:t>
             </a:r>
-            <a:endParaRPr>
+            <a:endParaRPr dirty="0">
               <a:solidFill>
                 <a:srgbClr val="FFC319"/>
               </a:solidFill>
@@ -24031,18 +23525,18 @@
               <a:buNone/>
             </a:pPr>
             <a:r>
-              <a:rPr lang="en"/>
-              <a:t>CATEGORY 1 · </a:t>
+              <a:rPr lang="en" dirty="0"/>
+              <a:t>Extract · </a:t>
             </a:r>
             <a:r>
-              <a:rPr lang="en">
+              <a:rPr lang="en" dirty="0">
                 <a:solidFill>
                   <a:srgbClr val="FFC319"/>
                 </a:solidFill>
               </a:rPr>
               <a:t>$800</a:t>
             </a:r>
-            <a:endParaRPr>
+            <a:endParaRPr dirty="0">
               <a:solidFill>
                 <a:srgbClr val="FFC319"/>
               </a:solidFill>
@@ -24147,18 +23641,18 @@
               <a:buNone/>
             </a:pPr>
             <a:r>
-              <a:rPr lang="en"/>
-              <a:t>CATEGORY 2 · </a:t>
+              <a:rPr lang="en" dirty="0"/>
+              <a:t>Transform· </a:t>
             </a:r>
             <a:r>
-              <a:rPr lang="en">
+              <a:rPr lang="en" dirty="0">
                 <a:solidFill>
                   <a:srgbClr val="FFC319"/>
                 </a:solidFill>
               </a:rPr>
               <a:t>$200</a:t>
             </a:r>
-            <a:endParaRPr>
+            <a:endParaRPr dirty="0">
               <a:solidFill>
                 <a:srgbClr val="FFC319"/>
               </a:solidFill>
@@ -24272,18 +23766,18 @@
               <a:buNone/>
             </a:pPr>
             <a:r>
-              <a:rPr lang="en"/>
-              <a:t>CATEGORY 2 · </a:t>
+              <a:rPr lang="en" dirty="0"/>
+              <a:t>Transform · </a:t>
             </a:r>
             <a:r>
-              <a:rPr lang="en">
+              <a:rPr lang="en" dirty="0">
                 <a:solidFill>
                   <a:srgbClr val="FFC319"/>
                 </a:solidFill>
               </a:rPr>
               <a:t>$400</a:t>
             </a:r>
-            <a:endParaRPr>
+            <a:endParaRPr dirty="0">
               <a:solidFill>
                 <a:srgbClr val="FFC319"/>
               </a:solidFill>
@@ -24393,18 +23887,18 @@
               <a:buNone/>
             </a:pPr>
             <a:r>
-              <a:rPr lang="en"/>
-              <a:t>CATEGORY 2 · </a:t>
+              <a:rPr lang="en" dirty="0"/>
+              <a:t>Transform · </a:t>
             </a:r>
             <a:r>
-              <a:rPr lang="en">
+              <a:rPr lang="en" dirty="0">
                 <a:solidFill>
                   <a:srgbClr val="FFC319"/>
                 </a:solidFill>
               </a:rPr>
               <a:t>$600</a:t>
             </a:r>
-            <a:endParaRPr>
+            <a:endParaRPr dirty="0">
               <a:solidFill>
                 <a:srgbClr val="FFC319"/>
               </a:solidFill>
